--- a/django rest framework.pptx
+++ b/django rest framework.pptx
@@ -260,7 +260,7 @@
           <a:p>
             <a:fld id="{F70E3ED6-993E-4305-B32A-72B77EB68A26}" type="datetimeFigureOut">
               <a:rPr lang="uk-UA" smtClean="0"/>
-              <a:t>21.08.2018</a:t>
+              <a:t>23.03.2019</a:t>
             </a:fld>
             <a:endParaRPr lang="uk-UA"/>
           </a:p>
@@ -430,7 +430,7 @@
           <a:p>
             <a:fld id="{F70E3ED6-993E-4305-B32A-72B77EB68A26}" type="datetimeFigureOut">
               <a:rPr lang="uk-UA" smtClean="0"/>
-              <a:t>21.08.2018</a:t>
+              <a:t>23.03.2019</a:t>
             </a:fld>
             <a:endParaRPr lang="uk-UA"/>
           </a:p>
@@ -610,7 +610,7 @@
           <a:p>
             <a:fld id="{F70E3ED6-993E-4305-B32A-72B77EB68A26}" type="datetimeFigureOut">
               <a:rPr lang="uk-UA" smtClean="0"/>
-              <a:t>21.08.2018</a:t>
+              <a:t>23.03.2019</a:t>
             </a:fld>
             <a:endParaRPr lang="uk-UA"/>
           </a:p>
@@ -780,7 +780,7 @@
           <a:p>
             <a:fld id="{F70E3ED6-993E-4305-B32A-72B77EB68A26}" type="datetimeFigureOut">
               <a:rPr lang="uk-UA" smtClean="0"/>
-              <a:t>21.08.2018</a:t>
+              <a:t>23.03.2019</a:t>
             </a:fld>
             <a:endParaRPr lang="uk-UA"/>
           </a:p>
@@ -1026,7 +1026,7 @@
           <a:p>
             <a:fld id="{F70E3ED6-993E-4305-B32A-72B77EB68A26}" type="datetimeFigureOut">
               <a:rPr lang="uk-UA" smtClean="0"/>
-              <a:t>21.08.2018</a:t>
+              <a:t>23.03.2019</a:t>
             </a:fld>
             <a:endParaRPr lang="uk-UA"/>
           </a:p>
@@ -1258,7 +1258,7 @@
           <a:p>
             <a:fld id="{F70E3ED6-993E-4305-B32A-72B77EB68A26}" type="datetimeFigureOut">
               <a:rPr lang="uk-UA" smtClean="0"/>
-              <a:t>21.08.2018</a:t>
+              <a:t>23.03.2019</a:t>
             </a:fld>
             <a:endParaRPr lang="uk-UA"/>
           </a:p>
@@ -1625,7 +1625,7 @@
           <a:p>
             <a:fld id="{F70E3ED6-993E-4305-B32A-72B77EB68A26}" type="datetimeFigureOut">
               <a:rPr lang="uk-UA" smtClean="0"/>
-              <a:t>21.08.2018</a:t>
+              <a:t>23.03.2019</a:t>
             </a:fld>
             <a:endParaRPr lang="uk-UA"/>
           </a:p>
@@ -1743,7 +1743,7 @@
           <a:p>
             <a:fld id="{F70E3ED6-993E-4305-B32A-72B77EB68A26}" type="datetimeFigureOut">
               <a:rPr lang="uk-UA" smtClean="0"/>
-              <a:t>21.08.2018</a:t>
+              <a:t>23.03.2019</a:t>
             </a:fld>
             <a:endParaRPr lang="uk-UA"/>
           </a:p>
@@ -1838,7 +1838,7 @@
           <a:p>
             <a:fld id="{F70E3ED6-993E-4305-B32A-72B77EB68A26}" type="datetimeFigureOut">
               <a:rPr lang="uk-UA" smtClean="0"/>
-              <a:t>21.08.2018</a:t>
+              <a:t>23.03.2019</a:t>
             </a:fld>
             <a:endParaRPr lang="uk-UA"/>
           </a:p>
@@ -2115,7 +2115,7 @@
           <a:p>
             <a:fld id="{F70E3ED6-993E-4305-B32A-72B77EB68A26}" type="datetimeFigureOut">
               <a:rPr lang="uk-UA" smtClean="0"/>
-              <a:t>21.08.2018</a:t>
+              <a:t>23.03.2019</a:t>
             </a:fld>
             <a:endParaRPr lang="uk-UA"/>
           </a:p>
@@ -2368,7 +2368,7 @@
           <a:p>
             <a:fld id="{F70E3ED6-993E-4305-B32A-72B77EB68A26}" type="datetimeFigureOut">
               <a:rPr lang="uk-UA" smtClean="0"/>
-              <a:t>21.08.2018</a:t>
+              <a:t>23.03.2019</a:t>
             </a:fld>
             <a:endParaRPr lang="uk-UA"/>
           </a:p>
@@ -2581,7 +2581,7 @@
           <a:p>
             <a:fld id="{F70E3ED6-993E-4305-B32A-72B77EB68A26}" type="datetimeFigureOut">
               <a:rPr lang="uk-UA" smtClean="0"/>
-              <a:t>21.08.2018</a:t>
+              <a:t>23.03.2019</a:t>
             </a:fld>
             <a:endParaRPr lang="uk-UA"/>
           </a:p>
